--- a/Microarray/Analysis/WorkflowDesign.pptx
+++ b/Microarray/Analysis/WorkflowDesign.pptx
@@ -7,7 +7,8 @@
   <p:sldIdLst>
     <p:sldId id="256" r:id="rId2"/>
     <p:sldId id="257" r:id="rId3"/>
-    <p:sldId id="258" r:id="rId4"/>
+    <p:sldId id="259" r:id="rId4"/>
+    <p:sldId id="258" r:id="rId5"/>
   </p:sldIdLst>
   <p:sldSz cx="9144000" cy="6858000" type="screen4x3"/>
   <p:notesSz cx="6858000" cy="9144000"/>
@@ -3107,7 +3108,12 @@
             <p:ph type="ctrTitle"/>
           </p:nvPr>
         </p:nvSpPr>
-        <p:spPr/>
+        <p:spPr>
+          <a:xfrm>
+            <a:off x="685800" y="664741"/>
+            <a:ext cx="7772400" cy="1470025"/>
+          </a:xfrm>
+        </p:spPr>
         <p:txBody>
           <a:bodyPr/>
           <a:lstStyle/>
@@ -3130,12 +3136,47 @@
             <p:ph type="subTitle" idx="1"/>
           </p:nvPr>
         </p:nvSpPr>
-        <p:spPr/>
-        <p:txBody>
-          <a:bodyPr/>
-          <a:lstStyle/>
-          <a:p>
-            <a:endParaRPr lang="en-US"/>
+        <p:spPr>
+          <a:xfrm>
+            <a:off x="1049170" y="3554862"/>
+            <a:ext cx="6819864" cy="1752600"/>
+          </a:xfrm>
+        </p:spPr>
+        <p:txBody>
+          <a:bodyPr/>
+          <a:lstStyle/>
+          <a:p>
+            <a:r>
+              <a:rPr lang="en-US" dirty="0" smtClean="0"/>
+              <a:t>Team</a:t>
+            </a:r>
+          </a:p>
+          <a:p>
+            <a:r>
+              <a:rPr lang="en-US" dirty="0" err="1" smtClean="0"/>
+              <a:t>Fathi</a:t>
+            </a:r>
+            <a:r>
+              <a:rPr lang="en-US" dirty="0" smtClean="0"/>
+              <a:t>, Bong-Hyun, Parthav, </a:t>
+            </a:r>
+            <a:r>
+              <a:rPr lang="en-US" dirty="0" err="1" smtClean="0"/>
+              <a:t>Manjula</a:t>
+            </a:r>
+            <a:r>
+              <a:rPr lang="en-US" dirty="0" smtClean="0"/>
+              <a:t>, </a:t>
+            </a:r>
+            <a:r>
+              <a:rPr lang="en-US" dirty="0" err="1" smtClean="0"/>
+              <a:t>Anand</a:t>
+            </a:r>
+            <a:r>
+              <a:rPr lang="en-US" dirty="0" smtClean="0"/>
+              <a:t>, Li, Maggie</a:t>
+            </a:r>
+            <a:endParaRPr lang="en-US" dirty="0"/>
           </a:p>
         </p:txBody>
       </p:sp>
@@ -3285,6 +3326,10 @@
               <a:rPr lang="en-US" dirty="0" err="1" smtClean="0"/>
               <a:t>heatmap</a:t>
             </a:r>
+            <a:r>
+              <a:rPr lang="en-US" dirty="0" smtClean="0"/>
+              <a:t>, volcano plot</a:t>
+            </a:r>
             <a:endParaRPr lang="en-US" dirty="0"/>
           </a:p>
           <a:p>
@@ -3364,6 +3409,117 @@
           <a:p>
             <a:r>
               <a:rPr lang="en-US" dirty="0" smtClean="0"/>
+              <a:t>Analysis report</a:t>
+            </a:r>
+            <a:endParaRPr lang="en-US" dirty="0"/>
+          </a:p>
+        </p:txBody>
+      </p:sp>
+      <p:sp>
+        <p:nvSpPr>
+          <p:cNvPr id="3" name="Content Placeholder 2"/>
+          <p:cNvSpPr>
+            <a:spLocks noGrp="1"/>
+          </p:cNvSpPr>
+          <p:nvPr>
+            <p:ph idx="1"/>
+          </p:nvPr>
+        </p:nvSpPr>
+        <p:spPr/>
+        <p:txBody>
+          <a:bodyPr/>
+          <a:lstStyle/>
+          <a:p>
+            <a:r>
+              <a:rPr lang="en-US" dirty="0" smtClean="0"/>
+              <a:t>Generated using </a:t>
+            </a:r>
+            <a:r>
+              <a:rPr lang="en-US" dirty="0" err="1" smtClean="0"/>
+              <a:t>Rmarkdown</a:t>
+            </a:r>
+            <a:r>
+              <a:rPr lang="en-US" dirty="0" smtClean="0"/>
+              <a:t> and shiny</a:t>
+            </a:r>
+          </a:p>
+          <a:p>
+            <a:r>
+              <a:rPr lang="en-US" dirty="0" smtClean="0"/>
+              <a:t>Include the workspace</a:t>
+            </a:r>
+          </a:p>
+          <a:p>
+            <a:r>
+              <a:rPr lang="en-US" dirty="0" smtClean="0"/>
+              <a:t>Data provenance (</a:t>
+            </a:r>
+            <a:r>
+              <a:rPr lang="en-US" dirty="0" err="1" smtClean="0"/>
+              <a:t>RDataTracker</a:t>
+            </a:r>
+            <a:r>
+              <a:rPr lang="en-US" dirty="0" smtClean="0"/>
+              <a:t>)</a:t>
+            </a:r>
+            <a:endParaRPr lang="en-US" dirty="0"/>
+          </a:p>
+        </p:txBody>
+      </p:sp>
+    </p:spTree>
+    <p:extLst>
+      <p:ext uri="{BB962C8B-B14F-4D97-AF65-F5344CB8AC3E}">
+        <p14:creationId xmlns:p14="http://schemas.microsoft.com/office/powerpoint/2010/main" val="516498318"/>
+      </p:ext>
+    </p:extLst>
+  </p:cSld>
+  <p:clrMapOvr>
+    <a:masterClrMapping/>
+  </p:clrMapOvr>
+</p:sld>
+</file>
+
+<file path=ppt/slides/slide4.xml><?xml version="1.0" encoding="utf-8"?>
+<p:sld xmlns:a="http://schemas.openxmlformats.org/drawingml/2006/main" xmlns:r="http://schemas.openxmlformats.org/officeDocument/2006/relationships" xmlns:p="http://schemas.openxmlformats.org/presentationml/2006/main">
+  <p:cSld>
+    <p:spTree>
+      <p:nvGrpSpPr>
+        <p:cNvPr id="1" name=""/>
+        <p:cNvGrpSpPr/>
+        <p:nvPr/>
+      </p:nvGrpSpPr>
+      <p:grpSpPr>
+        <a:xfrm>
+          <a:off x="0" y="0"/>
+          <a:ext cx="0" cy="0"/>
+          <a:chOff x="0" y="0"/>
+          <a:chExt cx="0" cy="0"/>
+        </a:xfrm>
+      </p:grpSpPr>
+      <p:sp>
+        <p:nvSpPr>
+          <p:cNvPr id="2" name="Title 1"/>
+          <p:cNvSpPr>
+            <a:spLocks noGrp="1"/>
+          </p:cNvSpPr>
+          <p:nvPr>
+            <p:ph type="title"/>
+          </p:nvPr>
+        </p:nvSpPr>
+        <p:spPr>
+          <a:xfrm>
+            <a:off x="457200" y="274638"/>
+            <a:ext cx="8229600" cy="746987"/>
+          </a:xfrm>
+        </p:spPr>
+        <p:txBody>
+          <a:bodyPr>
+            <a:normAutofit fontScale="90000"/>
+          </a:bodyPr>
+          <a:lstStyle/>
+          <a:p>
+            <a:r>
+              <a:rPr lang="en-US" dirty="0" smtClean="0"/>
               <a:t>Subtasks</a:t>
             </a:r>
             <a:endParaRPr lang="en-US" dirty="0"/>
@@ -3380,7 +3536,12 @@
             <p:ph idx="1"/>
           </p:nvPr>
         </p:nvSpPr>
-        <p:spPr/>
+        <p:spPr>
+          <a:xfrm>
+            <a:off x="457200" y="1296474"/>
+            <a:ext cx="8229600" cy="4525963"/>
+          </a:xfrm>
+        </p:spPr>
         <p:txBody>
           <a:bodyPr>
             <a:normAutofit fontScale="92500" lnSpcReduction="20000"/>
@@ -3388,12 +3549,8 @@
           <a:lstStyle/>
           <a:p>
             <a:r>
-              <a:rPr lang="en-US" dirty="0" err="1" smtClean="0"/>
-              <a:t>Standardise</a:t>
-            </a:r>
-            <a:r>
               <a:rPr lang="en-US" dirty="0" smtClean="0"/>
-              <a:t> workflow steps + implement code (</a:t>
+              <a:t>Standardize workflow steps + implement code </a:t>
             </a:r>
           </a:p>
           <a:p>
@@ -3418,7 +3575,7 @@
               <a:t> (</a:t>
             </a:r>
             <a:r>
-              <a:rPr lang="en-US" dirty="0" err="1" smtClean="0"/>
+              <a:rPr lang="en-US" b="1" dirty="0" err="1" smtClean="0"/>
               <a:t>Fathi</a:t>
             </a:r>
             <a:r>
@@ -3431,10 +3588,14 @@
             </a:r>
             <a:r>
               <a:rPr lang="en-US" dirty="0" smtClean="0"/>
-              <a:t> (Li, </a:t>
-            </a:r>
-            <a:r>
-              <a:rPr lang="en-US" dirty="0" err="1" smtClean="0"/>
+              <a:t> (</a:t>
+            </a:r>
+            <a:r>
+              <a:rPr lang="en-US" b="1" dirty="0" smtClean="0"/>
+              <a:t>Li, </a:t>
+            </a:r>
+            <a:r>
+              <a:rPr lang="en-US" b="1" dirty="0" err="1" smtClean="0"/>
               <a:t>Manjula</a:t>
             </a:r>
             <a:r>
@@ -3446,7 +3607,15 @@
             <a:pPr lvl="1"/>
             <a:r>
               <a:rPr lang="en-US" dirty="0" smtClean="0"/>
-              <a:t>Check Aroma (Bong-Hyun)</a:t>
+              <a:t>Check Aroma (</a:t>
+            </a:r>
+            <a:r>
+              <a:rPr lang="en-US" b="1" dirty="0" smtClean="0"/>
+              <a:t>Bong-Hyun</a:t>
+            </a:r>
+            <a:r>
+              <a:rPr lang="en-US" dirty="0" smtClean="0"/>
+              <a:t>)</a:t>
             </a:r>
           </a:p>
           <a:p>
@@ -3458,7 +3627,7 @@
           <a:p>
             <a:pPr lvl="2"/>
             <a:r>
-              <a:rPr lang="en-US" dirty="0" smtClean="0"/>
+              <a:rPr lang="en-US" sz="2600" b="1" dirty="0" smtClean="0"/>
               <a:t>Parthav, Bong-Hyun</a:t>
             </a:r>
           </a:p>
@@ -3471,14 +3640,14 @@
           <a:p>
             <a:pPr lvl="1"/>
             <a:r>
-              <a:rPr lang="en-US" dirty="0" smtClean="0"/>
+              <a:rPr lang="en-US" b="1" dirty="0" smtClean="0"/>
               <a:t>Bong-Hyun, Parthav, </a:t>
             </a:r>
             <a:r>
-              <a:rPr lang="en-US" dirty="0" err="1" smtClean="0"/>
+              <a:rPr lang="en-US" b="1" dirty="0" err="1" smtClean="0"/>
               <a:t>Fathi</a:t>
             </a:r>
-            <a:endParaRPr lang="en-US" dirty="0" smtClean="0"/>
+            <a:endParaRPr lang="en-US" b="1" dirty="0" smtClean="0"/>
           </a:p>
           <a:p>
             <a:r>
@@ -3489,10 +3658,10 @@
           <a:p>
             <a:pPr lvl="1"/>
             <a:r>
-              <a:rPr lang="en-US" dirty="0" err="1" smtClean="0"/>
+              <a:rPr lang="en-US" b="1" dirty="0" err="1" smtClean="0"/>
               <a:t>Anand</a:t>
             </a:r>
-            <a:endParaRPr lang="en-US" dirty="0"/>
+            <a:endParaRPr lang="en-US" b="1" dirty="0"/>
           </a:p>
         </p:txBody>
       </p:sp>
